--- a/TweetAnalyser3.pptx
+++ b/TweetAnalyser3.pptx
@@ -4920,9 +4920,10 @@
           </a:p>
           <a:p>
             <a:r>
-              <a:rPr lang="fr-CH" dirty="0"/>
-              <a:t>Programmation concurrente</a:t>
-            </a:r>
+              <a:rPr lang="fr-CH"/>
+              <a:t>Programmation asynchrone</a:t>
+            </a:r>
+            <a:endParaRPr lang="fr-CH" dirty="0"/>
           </a:p>
           <a:p>
             <a:r>
@@ -5076,16 +5077,6 @@
             <a:r>
               <a:rPr lang="fr-CH" dirty="0"/>
               <a:t> Faibles garantie quant aux résultats</a:t>
-            </a:r>
-          </a:p>
-          <a:p>
-            <a:pPr>
-              <a:buFont typeface="Times New Roman" panose="02020603050405020304" pitchFamily="18" charset="0"/>
-              <a:buChar char="Ⅹ"/>
-            </a:pPr>
-            <a:r>
-              <a:rPr lang="fr-CH" dirty="0"/>
-              <a:t> Intégrité des données</a:t>
             </a:r>
           </a:p>
         </p:txBody>
